--- a/application/Презентация к проекту.pptx
+++ b/application/Презентация к проекту.pptx
@@ -8,12 +8,13 @@
     <p:sldId id="256" r:id="rId2"/>
     <p:sldId id="257" r:id="rId3"/>
     <p:sldId id="258" r:id="rId4"/>
-    <p:sldId id="261" r:id="rId5"/>
-    <p:sldId id="259" r:id="rId6"/>
-    <p:sldId id="262" r:id="rId7"/>
-    <p:sldId id="260" r:id="rId8"/>
-    <p:sldId id="263" r:id="rId9"/>
-    <p:sldId id="264" r:id="rId10"/>
+    <p:sldId id="265" r:id="rId5"/>
+    <p:sldId id="261" r:id="rId6"/>
+    <p:sldId id="259" r:id="rId7"/>
+    <p:sldId id="262" r:id="rId8"/>
+    <p:sldId id="260" r:id="rId9"/>
+    <p:sldId id="263" r:id="rId10"/>
+    <p:sldId id="264" r:id="rId11"/>
   </p:sldIdLst>
   <p:sldSz cx="12192000" cy="6858000"/>
   <p:notesSz cx="6858000" cy="9144000"/>
@@ -112,6 +113,11 @@
       </a:defRPr>
     </a:lvl9pPr>
   </p:defaultTextStyle>
+  <p:extLst>
+    <p:ext uri="{EFAFB233-063F-42B5-8137-9DF3F51BA10A}">
+      <p15:sldGuideLst xmlns:p15="http://schemas.microsoft.com/office/powerpoint/2012/main"/>
+    </p:ext>
+  </p:extLst>
 </p:presentation>
 </file>
 
@@ -307,7 +313,7 @@
           <a:p>
             <a:fld id="{EF57BEAD-13A0-4463-88D0-D89B8D48FF6D}" type="datetimeFigureOut">
               <a:rPr lang="ru-RU" smtClean="0"/>
-              <a:t>15.01.2023</a:t>
+              <a:t>23.01.2023</a:t>
             </a:fld>
             <a:endParaRPr lang="ru-RU"/>
           </a:p>
@@ -497,7 +503,7 @@
           <a:p>
             <a:fld id="{EF57BEAD-13A0-4463-88D0-D89B8D48FF6D}" type="datetimeFigureOut">
               <a:rPr lang="ru-RU" smtClean="0"/>
-              <a:t>15.01.2023</a:t>
+              <a:t>23.01.2023</a:t>
             </a:fld>
             <a:endParaRPr lang="ru-RU"/>
           </a:p>
@@ -677,7 +683,7 @@
           <a:p>
             <a:fld id="{EF57BEAD-13A0-4463-88D0-D89B8D48FF6D}" type="datetimeFigureOut">
               <a:rPr lang="ru-RU" smtClean="0"/>
-              <a:t>15.01.2023</a:t>
+              <a:t>23.01.2023</a:t>
             </a:fld>
             <a:endParaRPr lang="ru-RU"/>
           </a:p>
@@ -847,7 +853,7 @@
           <a:p>
             <a:fld id="{EF57BEAD-13A0-4463-88D0-D89B8D48FF6D}" type="datetimeFigureOut">
               <a:rPr lang="ru-RU" smtClean="0"/>
-              <a:t>15.01.2023</a:t>
+              <a:t>23.01.2023</a:t>
             </a:fld>
             <a:endParaRPr lang="ru-RU"/>
           </a:p>
@@ -1103,7 +1109,7 @@
           <a:p>
             <a:fld id="{EF57BEAD-13A0-4463-88D0-D89B8D48FF6D}" type="datetimeFigureOut">
               <a:rPr lang="ru-RU" smtClean="0"/>
-              <a:t>15.01.2023</a:t>
+              <a:t>23.01.2023</a:t>
             </a:fld>
             <a:endParaRPr lang="ru-RU"/>
           </a:p>
@@ -1391,7 +1397,7 @@
           <a:p>
             <a:fld id="{EF57BEAD-13A0-4463-88D0-D89B8D48FF6D}" type="datetimeFigureOut">
               <a:rPr lang="ru-RU" smtClean="0"/>
-              <a:t>15.01.2023</a:t>
+              <a:t>23.01.2023</a:t>
             </a:fld>
             <a:endParaRPr lang="ru-RU"/>
           </a:p>
@@ -1829,7 +1835,7 @@
           <a:p>
             <a:fld id="{EF57BEAD-13A0-4463-88D0-D89B8D48FF6D}" type="datetimeFigureOut">
               <a:rPr lang="ru-RU" smtClean="0"/>
-              <a:t>15.01.2023</a:t>
+              <a:t>23.01.2023</a:t>
             </a:fld>
             <a:endParaRPr lang="ru-RU"/>
           </a:p>
@@ -1947,7 +1953,7 @@
           <a:p>
             <a:fld id="{EF57BEAD-13A0-4463-88D0-D89B8D48FF6D}" type="datetimeFigureOut">
               <a:rPr lang="ru-RU" smtClean="0"/>
-              <a:t>15.01.2023</a:t>
+              <a:t>23.01.2023</a:t>
             </a:fld>
             <a:endParaRPr lang="ru-RU"/>
           </a:p>
@@ -2042,7 +2048,7 @@
           <a:p>
             <a:fld id="{EF57BEAD-13A0-4463-88D0-D89B8D48FF6D}" type="datetimeFigureOut">
               <a:rPr lang="ru-RU" smtClean="0"/>
-              <a:t>15.01.2023</a:t>
+              <a:t>23.01.2023</a:t>
             </a:fld>
             <a:endParaRPr lang="ru-RU"/>
           </a:p>
@@ -2398,7 +2404,7 @@
           <a:p>
             <a:fld id="{EF57BEAD-13A0-4463-88D0-D89B8D48FF6D}" type="datetimeFigureOut">
               <a:rPr lang="ru-RU" smtClean="0"/>
-              <a:t>15.01.2023</a:t>
+              <a:t>23.01.2023</a:t>
             </a:fld>
             <a:endParaRPr lang="ru-RU"/>
           </a:p>
@@ -2706,7 +2712,7 @@
           <a:p>
             <a:fld id="{EF57BEAD-13A0-4463-88D0-D89B8D48FF6D}" type="datetimeFigureOut">
               <a:rPr lang="ru-RU" smtClean="0"/>
-              <a:t>15.01.2023</a:t>
+              <a:t>23.01.2023</a:t>
             </a:fld>
             <a:endParaRPr lang="ru-RU"/>
           </a:p>
@@ -2939,7 +2945,7 @@
           <a:p>
             <a:fld id="{EF57BEAD-13A0-4463-88D0-D89B8D48FF6D}" type="datetimeFigureOut">
               <a:rPr lang="ru-RU" smtClean="0"/>
-              <a:t>15.01.2023</a:t>
+              <a:t>23.01.2023</a:t>
             </a:fld>
             <a:endParaRPr lang="ru-RU"/>
           </a:p>
@@ -3455,6 +3461,65 @@
 </p:sld>
 </file>
 
+<file path=ppt/slides/slide10.xml><?xml version="1.0" encoding="utf-8"?>
+<p:sld xmlns:a="http://schemas.openxmlformats.org/drawingml/2006/main" xmlns:r="http://schemas.openxmlformats.org/officeDocument/2006/relationships" xmlns:p="http://schemas.openxmlformats.org/presentationml/2006/main">
+  <p:cSld>
+    <p:spTree>
+      <p:nvGrpSpPr>
+        <p:cNvPr id="1" name=""/>
+        <p:cNvGrpSpPr/>
+        <p:nvPr/>
+      </p:nvGrpSpPr>
+      <p:grpSpPr>
+        <a:xfrm>
+          <a:off x="0" y="0"/>
+          <a:ext cx="0" cy="0"/>
+          <a:chOff x="0" y="0"/>
+          <a:chExt cx="0" cy="0"/>
+        </a:xfrm>
+      </p:grpSpPr>
+      <p:sp>
+        <p:nvSpPr>
+          <p:cNvPr id="2" name="Заголовок 1">
+            <a:extLst>
+              <a:ext uri="{FF2B5EF4-FFF2-40B4-BE49-F238E27FC236}">
+                <a16:creationId xmlns:a16="http://schemas.microsoft.com/office/drawing/2014/main" id="{C1FE50E2-ECF6-958E-7C78-D973E1C2B51A}"/>
+              </a:ext>
+            </a:extLst>
+          </p:cNvPr>
+          <p:cNvSpPr>
+            <a:spLocks noGrp="1"/>
+          </p:cNvSpPr>
+          <p:nvPr>
+            <p:ph type="title"/>
+          </p:nvPr>
+        </p:nvSpPr>
+        <p:spPr/>
+        <p:txBody>
+          <a:bodyPr/>
+          <a:lstStyle/>
+          <a:p>
+            <a:pPr algn="ctr"/>
+            <a:r>
+              <a:rPr lang="ru-RU" dirty="0"/>
+              <a:t>Спасибо за внимание!</a:t>
+            </a:r>
+          </a:p>
+        </p:txBody>
+      </p:sp>
+    </p:spTree>
+    <p:extLst>
+      <p:ext uri="{BB962C8B-B14F-4D97-AF65-F5344CB8AC3E}">
+        <p14:creationId xmlns:p14="http://schemas.microsoft.com/office/powerpoint/2010/main" val="1549277329"/>
+      </p:ext>
+    </p:extLst>
+  </p:cSld>
+  <p:clrMapOvr>
+    <a:masterClrMapping/>
+  </p:clrMapOvr>
+</p:sld>
+</file>
+
 <file path=ppt/slides/slide2.xml><?xml version="1.0" encoding="utf-8"?>
 <p:sld xmlns:a="http://schemas.openxmlformats.org/drawingml/2006/main" xmlns:r="http://schemas.openxmlformats.org/officeDocument/2006/relationships" xmlns:p="http://schemas.openxmlformats.org/presentationml/2006/main">
   <p:cSld>
@@ -3720,6 +3785,134 @@
 </file>
 
 <file path=ppt/slides/slide4.xml><?xml version="1.0" encoding="utf-8"?>
+<p:sld xmlns:a="http://schemas.openxmlformats.org/drawingml/2006/main" xmlns:r="http://schemas.openxmlformats.org/officeDocument/2006/relationships" xmlns:p="http://schemas.openxmlformats.org/presentationml/2006/main">
+  <p:cSld>
+    <p:spTree>
+      <p:nvGrpSpPr>
+        <p:cNvPr id="1" name=""/>
+        <p:cNvGrpSpPr/>
+        <p:nvPr/>
+      </p:nvGrpSpPr>
+      <p:grpSpPr>
+        <a:xfrm>
+          <a:off x="0" y="0"/>
+          <a:ext cx="0" cy="0"/>
+          <a:chOff x="0" y="0"/>
+          <a:chExt cx="0" cy="0"/>
+        </a:xfrm>
+      </p:grpSpPr>
+      <p:sp>
+        <p:nvSpPr>
+          <p:cNvPr id="2" name="Заголовок 1">
+            <a:extLst>
+              <a:ext uri="{FF2B5EF4-FFF2-40B4-BE49-F238E27FC236}">
+                <a16:creationId xmlns:a16="http://schemas.microsoft.com/office/drawing/2014/main" id="{DED2E776-ED48-ADE3-8A7C-66178516BBE0}"/>
+              </a:ext>
+            </a:extLst>
+          </p:cNvPr>
+          <p:cNvSpPr>
+            <a:spLocks noGrp="1"/>
+          </p:cNvSpPr>
+          <p:nvPr>
+            <p:ph type="title"/>
+          </p:nvPr>
+        </p:nvSpPr>
+        <p:spPr>
+          <a:xfrm>
+            <a:off x="177376" y="190370"/>
+            <a:ext cx="10780776" cy="910461"/>
+          </a:xfrm>
+        </p:spPr>
+        <p:txBody>
+          <a:bodyPr>
+            <a:normAutofit fontScale="90000"/>
+          </a:bodyPr>
+          <a:lstStyle/>
+          <a:p>
+            <a:r>
+              <a:rPr lang="ru-RU" sz="7200" dirty="0"/>
+              <a:t>История создания игры</a:t>
+            </a:r>
+          </a:p>
+        </p:txBody>
+      </p:sp>
+      <p:sp>
+        <p:nvSpPr>
+          <p:cNvPr id="3" name="Текст 2">
+            <a:extLst>
+              <a:ext uri="{FF2B5EF4-FFF2-40B4-BE49-F238E27FC236}">
+                <a16:creationId xmlns:a16="http://schemas.microsoft.com/office/drawing/2014/main" id="{2A7BBA7A-5379-44FE-163B-CE873D6CE432}"/>
+              </a:ext>
+            </a:extLst>
+          </p:cNvPr>
+          <p:cNvSpPr>
+            <a:spLocks noGrp="1"/>
+          </p:cNvSpPr>
+          <p:nvPr>
+            <p:ph type="body" idx="1"/>
+          </p:nvPr>
+        </p:nvSpPr>
+        <p:spPr>
+          <a:xfrm>
+            <a:off x="177376" y="3068953"/>
+            <a:ext cx="5918624" cy="720094"/>
+          </a:xfrm>
+        </p:spPr>
+        <p:txBody>
+          <a:bodyPr/>
+          <a:lstStyle/>
+          <a:p>
+            <a:r>
+              <a:rPr lang="ru-RU" dirty="0"/>
+              <a:t>Сергей Зверев сбрил брови сыну</a:t>
+            </a:r>
+          </a:p>
+        </p:txBody>
+      </p:sp>
+      <p:pic>
+        <p:nvPicPr>
+          <p:cNvPr id="5" name="Рисунок 4">
+            <a:extLst>
+              <a:ext uri="{FF2B5EF4-FFF2-40B4-BE49-F238E27FC236}">
+                <a16:creationId xmlns:a16="http://schemas.microsoft.com/office/drawing/2014/main" id="{7D9EE895-7D7D-AF6A-C5D1-3324E1951C55}"/>
+              </a:ext>
+            </a:extLst>
+          </p:cNvPr>
+          <p:cNvPicPr>
+            <a:picLocks noChangeAspect="1"/>
+          </p:cNvPicPr>
+          <p:nvPr/>
+        </p:nvPicPr>
+        <p:blipFill>
+          <a:blip r:embed="rId2"/>
+          <a:stretch>
+            <a:fillRect/>
+          </a:stretch>
+        </p:blipFill>
+        <p:spPr>
+          <a:xfrm>
+            <a:off x="6741355" y="1301211"/>
+            <a:ext cx="4216797" cy="4355432"/>
+          </a:xfrm>
+          <a:prstGeom prst="rect">
+            <a:avLst/>
+          </a:prstGeom>
+        </p:spPr>
+      </p:pic>
+    </p:spTree>
+    <p:extLst>
+      <p:ext uri="{BB962C8B-B14F-4D97-AF65-F5344CB8AC3E}">
+        <p14:creationId xmlns:p14="http://schemas.microsoft.com/office/powerpoint/2010/main" val="3120471255"/>
+      </p:ext>
+    </p:extLst>
+  </p:cSld>
+  <p:clrMapOvr>
+    <a:masterClrMapping/>
+  </p:clrMapOvr>
+</p:sld>
+</file>
+
+<file path=ppt/slides/slide5.xml><?xml version="1.0" encoding="utf-8"?>
 <p:sld xmlns:a="http://schemas.openxmlformats.org/drawingml/2006/main" xmlns:r="http://schemas.openxmlformats.org/officeDocument/2006/relationships" xmlns:p="http://schemas.openxmlformats.org/presentationml/2006/main">
   <p:cSld>
     <p:spTree>
@@ -3823,7 +4016,7 @@
 </p:sld>
 </file>
 
-<file path=ppt/slides/slide5.xml><?xml version="1.0" encoding="utf-8"?>
+<file path=ppt/slides/slide6.xml><?xml version="1.0" encoding="utf-8"?>
 <p:sld xmlns:a="http://schemas.openxmlformats.org/drawingml/2006/main" xmlns:r="http://schemas.openxmlformats.org/officeDocument/2006/relationships" xmlns:p="http://schemas.openxmlformats.org/presentationml/2006/main">
   <p:cSld>
     <p:spTree>
@@ -3948,7 +4141,7 @@
 </p:sld>
 </file>
 
-<file path=ppt/slides/slide6.xml><?xml version="1.0" encoding="utf-8"?>
+<file path=ppt/slides/slide7.xml><?xml version="1.0" encoding="utf-8"?>
 <p:sld xmlns:a="http://schemas.openxmlformats.org/drawingml/2006/main" xmlns:r="http://schemas.openxmlformats.org/officeDocument/2006/relationships" xmlns:p="http://schemas.openxmlformats.org/presentationml/2006/main">
   <p:cSld>
     <p:spTree>
@@ -4073,7 +4266,7 @@
 </p:sld>
 </file>
 
-<file path=ppt/slides/slide7.xml><?xml version="1.0" encoding="utf-8"?>
+<file path=ppt/slides/slide8.xml><?xml version="1.0" encoding="utf-8"?>
 <p:sld xmlns:a="http://schemas.openxmlformats.org/drawingml/2006/main" xmlns:r="http://schemas.openxmlformats.org/officeDocument/2006/relationships" xmlns:p="http://schemas.openxmlformats.org/presentationml/2006/main">
   <p:cSld>
     <p:spTree>
@@ -4198,225 +4391,6 @@
 </p:sld>
 </file>
 
-<file path=ppt/slides/slide8.xml><?xml version="1.0" encoding="utf-8"?>
-<p:sld xmlns:a="http://schemas.openxmlformats.org/drawingml/2006/main" xmlns:r="http://schemas.openxmlformats.org/officeDocument/2006/relationships" xmlns:p="http://schemas.openxmlformats.org/presentationml/2006/main">
-  <p:cSld>
-    <p:spTree>
-      <p:nvGrpSpPr>
-        <p:cNvPr id="1" name=""/>
-        <p:cNvGrpSpPr/>
-        <p:nvPr/>
-      </p:nvGrpSpPr>
-      <p:grpSpPr>
-        <a:xfrm>
-          <a:off x="0" y="0"/>
-          <a:ext cx="0" cy="0"/>
-          <a:chOff x="0" y="0"/>
-          <a:chExt cx="0" cy="0"/>
-        </a:xfrm>
-      </p:grpSpPr>
-      <p:sp>
-        <p:nvSpPr>
-          <p:cNvPr id="2" name="Заголовок 1">
-            <a:extLst>
-              <a:ext uri="{FF2B5EF4-FFF2-40B4-BE49-F238E27FC236}">
-                <a16:creationId xmlns:a16="http://schemas.microsoft.com/office/drawing/2014/main" id="{C6EAE77D-791E-2D21-7234-0A11AEC9E0DC}"/>
-              </a:ext>
-            </a:extLst>
-          </p:cNvPr>
-          <p:cNvSpPr>
-            <a:spLocks noGrp="1"/>
-          </p:cNvSpPr>
-          <p:nvPr>
-            <p:ph type="title"/>
-          </p:nvPr>
-        </p:nvSpPr>
-        <p:spPr>
-          <a:xfrm>
-            <a:off x="603504" y="767419"/>
-            <a:ext cx="10780776" cy="2007865"/>
-          </a:xfrm>
-        </p:spPr>
-        <p:txBody>
-          <a:bodyPr>
-            <a:normAutofit fontScale="90000"/>
-          </a:bodyPr>
-          <a:lstStyle/>
-          <a:p>
-            <a:r>
-              <a:rPr lang="ru-RU" dirty="0"/>
-              <a:t>Что я использовал для создания игры?</a:t>
-            </a:r>
-          </a:p>
-        </p:txBody>
-      </p:sp>
-      <p:sp>
-        <p:nvSpPr>
-          <p:cNvPr id="3" name="Текст 2">
-            <a:extLst>
-              <a:ext uri="{FF2B5EF4-FFF2-40B4-BE49-F238E27FC236}">
-                <a16:creationId xmlns:a16="http://schemas.microsoft.com/office/drawing/2014/main" id="{A5ABC8E6-2328-786A-7D20-FF526E3BB021}"/>
-              </a:ext>
-            </a:extLst>
-          </p:cNvPr>
-          <p:cNvSpPr>
-            <a:spLocks noGrp="1"/>
-          </p:cNvSpPr>
-          <p:nvPr>
-            <p:ph type="body" idx="1"/>
-          </p:nvPr>
-        </p:nvSpPr>
-        <p:spPr>
-          <a:xfrm>
-            <a:off x="603504" y="3019304"/>
-            <a:ext cx="11331822" cy="3838696"/>
-          </a:xfrm>
-        </p:spPr>
-        <p:txBody>
-          <a:bodyPr>
-            <a:normAutofit lnSpcReduction="10000"/>
-          </a:bodyPr>
-          <a:lstStyle/>
-          <a:p>
-            <a:pPr marL="457200" indent="-457200">
-              <a:buFont typeface="Wingdings" panose="05000000000000000000" pitchFamily="2" charset="2"/>
-              <a:buChar char="v"/>
-            </a:pPr>
-            <a:r>
-              <a:rPr lang="ru-RU" sz="4800" dirty="0"/>
-              <a:t>Из пользовательских библиотек </a:t>
-            </a:r>
-            <a:r>
-              <a:rPr lang="en-US" sz="4800" dirty="0"/>
-              <a:t>Python:</a:t>
-            </a:r>
-          </a:p>
-          <a:p>
-            <a:pPr marL="914400" lvl="1" indent="-457200">
-              <a:buFont typeface="Wingdings" panose="05000000000000000000" pitchFamily="2" charset="2"/>
-              <a:buChar char="v"/>
-            </a:pPr>
-            <a:r>
-              <a:rPr lang="en-US" sz="3600" dirty="0" err="1">
-                <a:solidFill>
-                  <a:schemeClr val="tx1"/>
-                </a:solidFill>
-              </a:rPr>
-              <a:t>Pygame</a:t>
-            </a:r>
-            <a:r>
-              <a:rPr lang="en-US" sz="3600" dirty="0">
-                <a:solidFill>
-                  <a:schemeClr val="tx1"/>
-                </a:solidFill>
-              </a:rPr>
-              <a:t>.</a:t>
-            </a:r>
-          </a:p>
-          <a:p>
-            <a:pPr marL="457200" indent="-457200">
-              <a:buFont typeface="Wingdings" panose="05000000000000000000" pitchFamily="2" charset="2"/>
-              <a:buChar char="v"/>
-            </a:pPr>
-            <a:r>
-              <a:rPr lang="ru-RU" sz="4800" dirty="0"/>
-              <a:t>Из встроенных библиотек:</a:t>
-            </a:r>
-          </a:p>
-          <a:p>
-            <a:pPr marL="914400" lvl="1" indent="-457200">
-              <a:buFont typeface="Wingdings" panose="05000000000000000000" pitchFamily="2" charset="2"/>
-              <a:buChar char="v"/>
-            </a:pPr>
-            <a:r>
-              <a:rPr lang="en-US" sz="3600" dirty="0">
-                <a:solidFill>
-                  <a:schemeClr val="tx1"/>
-                </a:solidFill>
-              </a:rPr>
-              <a:t>Sys;</a:t>
-            </a:r>
-          </a:p>
-          <a:p>
-            <a:pPr marL="914400" lvl="1" indent="-457200">
-              <a:buFont typeface="Wingdings" panose="05000000000000000000" pitchFamily="2" charset="2"/>
-              <a:buChar char="v"/>
-            </a:pPr>
-            <a:r>
-              <a:rPr lang="en-US" sz="3600" dirty="0" err="1">
-                <a:solidFill>
-                  <a:schemeClr val="tx1"/>
-                </a:solidFill>
-              </a:rPr>
-              <a:t>Os</a:t>
-            </a:r>
-            <a:r>
-              <a:rPr lang="en-US" sz="3600" dirty="0">
-                <a:solidFill>
-                  <a:schemeClr val="tx1"/>
-                </a:solidFill>
-              </a:rPr>
-              <a:t>;</a:t>
-            </a:r>
-          </a:p>
-          <a:p>
-            <a:pPr marL="914400" lvl="1" indent="-457200">
-              <a:buFont typeface="Wingdings" panose="05000000000000000000" pitchFamily="2" charset="2"/>
-              <a:buChar char="v"/>
-            </a:pPr>
-            <a:r>
-              <a:rPr lang="en-US" sz="3600" dirty="0">
-                <a:solidFill>
-                  <a:schemeClr val="tx1"/>
-                </a:solidFill>
-              </a:rPr>
-              <a:t>Random;</a:t>
-            </a:r>
-          </a:p>
-          <a:p>
-            <a:pPr marL="914400" lvl="1" indent="-457200">
-              <a:buFont typeface="Wingdings" panose="05000000000000000000" pitchFamily="2" charset="2"/>
-              <a:buChar char="v"/>
-            </a:pPr>
-            <a:r>
-              <a:rPr lang="en-US" sz="3600" dirty="0" err="1">
-                <a:solidFill>
-                  <a:schemeClr val="tx1"/>
-                </a:solidFill>
-              </a:rPr>
-              <a:t>Datatime</a:t>
-            </a:r>
-            <a:r>
-              <a:rPr lang="en-US" sz="3600" dirty="0">
-                <a:solidFill>
-                  <a:schemeClr val="tx1"/>
-                </a:solidFill>
-              </a:rPr>
-              <a:t>.</a:t>
-            </a:r>
-          </a:p>
-          <a:p>
-            <a:pPr marL="914400" lvl="1" indent="-457200">
-              <a:buFont typeface="Wingdings" panose="05000000000000000000" pitchFamily="2" charset="2"/>
-              <a:buChar char="v"/>
-            </a:pPr>
-            <a:endParaRPr lang="en-US" dirty="0"/>
-          </a:p>
-        </p:txBody>
-      </p:sp>
-    </p:spTree>
-    <p:extLst>
-      <p:ext uri="{BB962C8B-B14F-4D97-AF65-F5344CB8AC3E}">
-        <p14:creationId xmlns:p14="http://schemas.microsoft.com/office/powerpoint/2010/main" val="1602029407"/>
-      </p:ext>
-    </p:extLst>
-  </p:cSld>
-  <p:clrMapOvr>
-    <a:masterClrMapping/>
-  </p:clrMapOvr>
-</p:sld>
-</file>
-
 <file path=ppt/slides/slide9.xml><?xml version="1.0" encoding="utf-8"?>
 <p:sld xmlns:a="http://schemas.openxmlformats.org/drawingml/2006/main" xmlns:r="http://schemas.openxmlformats.org/officeDocument/2006/relationships" xmlns:p="http://schemas.openxmlformats.org/presentationml/2006/main">
   <p:cSld>
@@ -4439,7 +4413,7 @@
           <p:cNvPr id="2" name="Заголовок 1">
             <a:extLst>
               <a:ext uri="{FF2B5EF4-FFF2-40B4-BE49-F238E27FC236}">
-                <a16:creationId xmlns:a16="http://schemas.microsoft.com/office/drawing/2014/main" id="{C1FE50E2-ECF6-958E-7C78-D973E1C2B51A}"/>
+                <a16:creationId xmlns:a16="http://schemas.microsoft.com/office/drawing/2014/main" id="{C6EAE77D-791E-2D21-7234-0A11AEC9E0DC}"/>
               </a:ext>
             </a:extLst>
           </p:cNvPr>
@@ -4450,23 +4424,183 @@
             <p:ph type="title"/>
           </p:nvPr>
         </p:nvSpPr>
-        <p:spPr/>
-        <p:txBody>
-          <a:bodyPr/>
-          <a:lstStyle/>
-          <a:p>
-            <a:pPr algn="ctr"/>
+        <p:spPr>
+          <a:xfrm>
+            <a:off x="603504" y="767419"/>
+            <a:ext cx="10780776" cy="2007865"/>
+          </a:xfrm>
+        </p:spPr>
+        <p:txBody>
+          <a:bodyPr>
+            <a:normAutofit fontScale="90000"/>
+          </a:bodyPr>
+          <a:lstStyle/>
+          <a:p>
             <a:r>
               <a:rPr lang="ru-RU" dirty="0"/>
-              <a:t>Спасибо за внимание!</a:t>
-            </a:r>
+              <a:t>Что я использовал для создания игры?</a:t>
+            </a:r>
+          </a:p>
+        </p:txBody>
+      </p:sp>
+      <p:sp>
+        <p:nvSpPr>
+          <p:cNvPr id="3" name="Текст 2">
+            <a:extLst>
+              <a:ext uri="{FF2B5EF4-FFF2-40B4-BE49-F238E27FC236}">
+                <a16:creationId xmlns:a16="http://schemas.microsoft.com/office/drawing/2014/main" id="{A5ABC8E6-2328-786A-7D20-FF526E3BB021}"/>
+              </a:ext>
+            </a:extLst>
+          </p:cNvPr>
+          <p:cNvSpPr>
+            <a:spLocks noGrp="1"/>
+          </p:cNvSpPr>
+          <p:nvPr>
+            <p:ph type="body" idx="1"/>
+          </p:nvPr>
+        </p:nvSpPr>
+        <p:spPr>
+          <a:xfrm>
+            <a:off x="603504" y="3019304"/>
+            <a:ext cx="11331822" cy="3838696"/>
+          </a:xfrm>
+        </p:spPr>
+        <p:txBody>
+          <a:bodyPr>
+            <a:normAutofit lnSpcReduction="10000"/>
+          </a:bodyPr>
+          <a:lstStyle/>
+          <a:p>
+            <a:pPr marL="457200" indent="-457200">
+              <a:buFont typeface="Wingdings" panose="05000000000000000000" pitchFamily="2" charset="2"/>
+              <a:buChar char="v"/>
+            </a:pPr>
+            <a:r>
+              <a:rPr lang="ru-RU" sz="4800" dirty="0"/>
+              <a:t>Из пользовательских библиотек </a:t>
+            </a:r>
+            <a:r>
+              <a:rPr lang="en-US" sz="4800" dirty="0"/>
+              <a:t>Python:</a:t>
+            </a:r>
+          </a:p>
+          <a:p>
+            <a:pPr marL="914400" lvl="1" indent="-457200">
+              <a:buFont typeface="Wingdings" panose="05000000000000000000" pitchFamily="2" charset="2"/>
+              <a:buChar char="v"/>
+            </a:pPr>
+            <a:r>
+              <a:rPr lang="en-US" sz="3600" dirty="0" err="1">
+                <a:solidFill>
+                  <a:schemeClr val="tx1"/>
+                </a:solidFill>
+              </a:rPr>
+              <a:t>Pygame</a:t>
+            </a:r>
+            <a:r>
+              <a:rPr lang="en-US" sz="3600" dirty="0">
+                <a:solidFill>
+                  <a:schemeClr val="tx1"/>
+                </a:solidFill>
+              </a:rPr>
+              <a:t>.</a:t>
+            </a:r>
+          </a:p>
+          <a:p>
+            <a:pPr marL="457200" indent="-457200">
+              <a:buFont typeface="Wingdings" panose="05000000000000000000" pitchFamily="2" charset="2"/>
+              <a:buChar char="v"/>
+            </a:pPr>
+            <a:r>
+              <a:rPr lang="ru-RU" sz="4800" dirty="0"/>
+              <a:t>Из встроенных библиотек:</a:t>
+            </a:r>
+          </a:p>
+          <a:p>
+            <a:pPr marL="914400" lvl="1" indent="-457200">
+              <a:buFont typeface="Wingdings" panose="05000000000000000000" pitchFamily="2" charset="2"/>
+              <a:buChar char="v"/>
+            </a:pPr>
+            <a:r>
+              <a:rPr lang="en-US" sz="3600" dirty="0">
+                <a:solidFill>
+                  <a:schemeClr val="tx1"/>
+                </a:solidFill>
+              </a:rPr>
+              <a:t>Sys;</a:t>
+            </a:r>
+          </a:p>
+          <a:p>
+            <a:pPr marL="914400" lvl="1" indent="-457200">
+              <a:buFont typeface="Wingdings" panose="05000000000000000000" pitchFamily="2" charset="2"/>
+              <a:buChar char="v"/>
+            </a:pPr>
+            <a:r>
+              <a:rPr lang="en-US" sz="3600" dirty="0" err="1">
+                <a:solidFill>
+                  <a:schemeClr val="tx1"/>
+                </a:solidFill>
+              </a:rPr>
+              <a:t>Os</a:t>
+            </a:r>
+            <a:r>
+              <a:rPr lang="en-US" sz="3600" dirty="0">
+                <a:solidFill>
+                  <a:schemeClr val="tx1"/>
+                </a:solidFill>
+              </a:rPr>
+              <a:t>;</a:t>
+            </a:r>
+          </a:p>
+          <a:p>
+            <a:pPr marL="914400" lvl="1" indent="-457200">
+              <a:buFont typeface="Wingdings" panose="05000000000000000000" pitchFamily="2" charset="2"/>
+              <a:buChar char="v"/>
+            </a:pPr>
+            <a:r>
+              <a:rPr lang="en-US" sz="3600" dirty="0">
+                <a:solidFill>
+                  <a:schemeClr val="tx1"/>
+                </a:solidFill>
+              </a:rPr>
+              <a:t>Random;</a:t>
+            </a:r>
+          </a:p>
+          <a:p>
+            <a:pPr marL="914400" lvl="1" indent="-457200">
+              <a:buFont typeface="Wingdings" panose="05000000000000000000" pitchFamily="2" charset="2"/>
+              <a:buChar char="v"/>
+            </a:pPr>
+            <a:r>
+              <a:rPr lang="en-US" sz="3600" dirty="0" err="1">
+                <a:solidFill>
+                  <a:schemeClr val="tx1"/>
+                </a:solidFill>
+              </a:rPr>
+              <a:t>Datatime</a:t>
+            </a:r>
+            <a:r>
+              <a:rPr lang="en-US" sz="3600" dirty="0">
+                <a:solidFill>
+                  <a:schemeClr val="tx1"/>
+                </a:solidFill>
+              </a:rPr>
+              <a:t>.</a:t>
+            </a:r>
+          </a:p>
+          <a:p>
+            <a:pPr marL="914400" lvl="1" indent="-457200">
+              <a:buFont typeface="Wingdings" panose="05000000000000000000" pitchFamily="2" charset="2"/>
+              <a:buChar char="v"/>
+            </a:pPr>
+            <a:endParaRPr lang="en-US" dirty="0"/>
           </a:p>
         </p:txBody>
       </p:sp>
     </p:spTree>
     <p:extLst>
       <p:ext uri="{BB962C8B-B14F-4D97-AF65-F5344CB8AC3E}">
-        <p14:creationId xmlns:p14="http://schemas.microsoft.com/office/powerpoint/2010/main" val="1549277329"/>
+        <p14:creationId xmlns:p14="http://schemas.microsoft.com/office/powerpoint/2010/main" val="1602029407"/>
       </p:ext>
     </p:extLst>
   </p:cSld>
